--- a/nextion/Pi-Ager_Nextion.pptx
+++ b/nextion/Pi-Ager_Nextion.pptx
@@ -192,7 +192,7 @@
           <a:p>
             <a:fld id="{8D517593-08C0-4018-93B2-F3F391CB7703}" type="datetimeFigureOut">
               <a:rPr lang="de-DE" smtClean="0"/>
-              <a:t>15.05.2017</a:t>
+              <a:t>18.05.2017</a:t>
             </a:fld>
             <a:endParaRPr lang="de-DE"/>
           </a:p>
@@ -725,7 +725,7 @@
           <a:p>
             <a:fld id="{1BA50D42-C9CD-4801-B293-61D1F53EC57E}" type="datetimeFigureOut">
               <a:rPr lang="de-DE" smtClean="0"/>
-              <a:t>15.05.2017</a:t>
+              <a:t>18.05.2017</a:t>
             </a:fld>
             <a:endParaRPr lang="de-DE"/>
           </a:p>
@@ -890,7 +890,7 @@
           <a:p>
             <a:fld id="{1BA50D42-C9CD-4801-B293-61D1F53EC57E}" type="datetimeFigureOut">
               <a:rPr lang="de-DE" smtClean="0"/>
-              <a:t>15.05.2017</a:t>
+              <a:t>18.05.2017</a:t>
             </a:fld>
             <a:endParaRPr lang="de-DE"/>
           </a:p>
@@ -1065,7 +1065,7 @@
           <a:p>
             <a:fld id="{1BA50D42-C9CD-4801-B293-61D1F53EC57E}" type="datetimeFigureOut">
               <a:rPr lang="de-DE" smtClean="0"/>
-              <a:t>15.05.2017</a:t>
+              <a:t>18.05.2017</a:t>
             </a:fld>
             <a:endParaRPr lang="de-DE"/>
           </a:p>
@@ -1230,7 +1230,7 @@
           <a:p>
             <a:fld id="{1BA50D42-C9CD-4801-B293-61D1F53EC57E}" type="datetimeFigureOut">
               <a:rPr lang="de-DE" smtClean="0"/>
-              <a:t>15.05.2017</a:t>
+              <a:t>18.05.2017</a:t>
             </a:fld>
             <a:endParaRPr lang="de-DE"/>
           </a:p>
@@ -1471,7 +1471,7 @@
           <a:p>
             <a:fld id="{1BA50D42-C9CD-4801-B293-61D1F53EC57E}" type="datetimeFigureOut">
               <a:rPr lang="de-DE" smtClean="0"/>
-              <a:t>15.05.2017</a:t>
+              <a:t>18.05.2017</a:t>
             </a:fld>
             <a:endParaRPr lang="de-DE"/>
           </a:p>
@@ -1754,7 +1754,7 @@
           <a:p>
             <a:fld id="{1BA50D42-C9CD-4801-B293-61D1F53EC57E}" type="datetimeFigureOut">
               <a:rPr lang="de-DE" smtClean="0"/>
-              <a:t>15.05.2017</a:t>
+              <a:t>18.05.2017</a:t>
             </a:fld>
             <a:endParaRPr lang="de-DE"/>
           </a:p>
@@ -2171,7 +2171,7 @@
           <a:p>
             <a:fld id="{1BA50D42-C9CD-4801-B293-61D1F53EC57E}" type="datetimeFigureOut">
               <a:rPr lang="de-DE" smtClean="0"/>
-              <a:t>15.05.2017</a:t>
+              <a:t>18.05.2017</a:t>
             </a:fld>
             <a:endParaRPr lang="de-DE"/>
           </a:p>
@@ -2284,7 +2284,7 @@
           <a:p>
             <a:fld id="{1BA50D42-C9CD-4801-B293-61D1F53EC57E}" type="datetimeFigureOut">
               <a:rPr lang="de-DE" smtClean="0"/>
-              <a:t>15.05.2017</a:t>
+              <a:t>18.05.2017</a:t>
             </a:fld>
             <a:endParaRPr lang="de-DE"/>
           </a:p>
@@ -2374,7 +2374,7 @@
           <a:p>
             <a:fld id="{1BA50D42-C9CD-4801-B293-61D1F53EC57E}" type="datetimeFigureOut">
               <a:rPr lang="de-DE" smtClean="0"/>
-              <a:t>15.05.2017</a:t>
+              <a:t>18.05.2017</a:t>
             </a:fld>
             <a:endParaRPr lang="de-DE"/>
           </a:p>
@@ -2646,7 +2646,7 @@
           <a:p>
             <a:fld id="{1BA50D42-C9CD-4801-B293-61D1F53EC57E}" type="datetimeFigureOut">
               <a:rPr lang="de-DE" smtClean="0"/>
-              <a:t>15.05.2017</a:t>
+              <a:t>18.05.2017</a:t>
             </a:fld>
             <a:endParaRPr lang="de-DE"/>
           </a:p>
@@ -2894,7 +2894,7 @@
           <a:p>
             <a:fld id="{1BA50D42-C9CD-4801-B293-61D1F53EC57E}" type="datetimeFigureOut">
               <a:rPr lang="de-DE" smtClean="0"/>
-              <a:t>15.05.2017</a:t>
+              <a:t>18.05.2017</a:t>
             </a:fld>
             <a:endParaRPr lang="de-DE"/>
           </a:p>
@@ -3102,7 +3102,7 @@
           <a:p>
             <a:fld id="{1BA50D42-C9CD-4801-B293-61D1F53EC57E}" type="datetimeFigureOut">
               <a:rPr lang="de-DE" smtClean="0"/>
-              <a:t>15.05.2017</a:t>
+              <a:t>18.05.2017</a:t>
             </a:fld>
             <a:endParaRPr lang="de-DE"/>
           </a:p>
@@ -4132,373 +4132,358 @@
           </a:p>
         </p:txBody>
       </p:sp>
-      <p:grpSp>
-        <p:nvGrpSpPr>
-          <p:cNvPr id="12" name="Gruppieren 11"/>
-          <p:cNvGrpSpPr/>
+      <p:sp>
+        <p:nvSpPr>
+          <p:cNvPr id="166" name="Abgerundetes Rechteck 165"/>
+          <p:cNvSpPr/>
           <p:nvPr/>
-        </p:nvGrpSpPr>
-        <p:grpSpPr>
-          <a:xfrm>
-            <a:off x="3604357" y="501696"/>
-            <a:ext cx="1876312" cy="1627577"/>
-            <a:chOff x="3631792" y="2708722"/>
-            <a:chExt cx="1876312" cy="1627577"/>
-          </a:xfrm>
-        </p:grpSpPr>
-        <p:sp>
-          <p:nvSpPr>
-            <p:cNvPr id="166" name="Abgerundetes Rechteck 165"/>
-            <p:cNvSpPr/>
-            <p:nvPr/>
-          </p:nvSpPr>
-          <p:spPr>
-            <a:xfrm>
-              <a:off x="3631792" y="3556957"/>
-              <a:ext cx="864096" cy="779342"/>
-            </a:xfrm>
-            <a:prstGeom prst="roundRect">
-              <a:avLst>
-                <a:gd name="adj" fmla="val 25271"/>
-              </a:avLst>
-            </a:prstGeom>
-            <a:gradFill>
-              <a:gsLst>
-                <a:gs pos="0">
-                  <a:schemeClr val="bg1">
-                    <a:lumMod val="50000"/>
-                  </a:schemeClr>
-                </a:gs>
-                <a:gs pos="80000">
-                  <a:schemeClr val="bg1">
-                    <a:lumMod val="65000"/>
-                  </a:schemeClr>
-                </a:gs>
-                <a:gs pos="100000">
-                  <a:schemeClr val="bg1">
-                    <a:lumMod val="95000"/>
-                  </a:schemeClr>
-                </a:gs>
-              </a:gsLst>
-            </a:gradFill>
-            <a:ln>
-              <a:noFill/>
-            </a:ln>
-            <a:effectLst>
-              <a:outerShdw blurRad="50800" dist="50800" dir="5400000" algn="ctr" rotWithShape="0">
+        </p:nvSpPr>
+        <p:spPr>
+          <a:xfrm>
+            <a:off x="3604357" y="1349931"/>
+            <a:ext cx="864096" cy="779342"/>
+          </a:xfrm>
+          <a:prstGeom prst="roundRect">
+            <a:avLst>
+              <a:gd name="adj" fmla="val 25271"/>
+            </a:avLst>
+          </a:prstGeom>
+          <a:gradFill>
+            <a:gsLst>
+              <a:gs pos="0">
                 <a:schemeClr val="bg1">
                   <a:lumMod val="50000"/>
                 </a:schemeClr>
-              </a:outerShdw>
-            </a:effectLst>
-            <a:scene3d>
-              <a:camera prst="orthographicFront">
-                <a:rot lat="0" lon="0" rev="0"/>
-              </a:camera>
-              <a:lightRig rig="chilly" dir="t"/>
-            </a:scene3d>
-            <a:sp3d extrusionH="76200" contourW="19050" prstMaterial="metal">
-              <a:bevelT w="25400" h="25400" prst="artDeco"/>
-              <a:extrusionClr>
+              </a:gs>
+              <a:gs pos="80000">
                 <a:schemeClr val="bg1">
-                  <a:lumMod val="85000"/>
-                </a:schemeClr>
-              </a:extrusionClr>
-              <a:contourClr>
+                  <a:lumMod val="65000"/>
+                </a:schemeClr>
+              </a:gs>
+              <a:gs pos="100000">
+                <a:schemeClr val="bg1">
+                  <a:lumMod val="95000"/>
+                </a:schemeClr>
+              </a:gs>
+            </a:gsLst>
+          </a:gradFill>
+          <a:ln>
+            <a:noFill/>
+          </a:ln>
+          <a:effectLst>
+            <a:outerShdw blurRad="50800" dist="50800" dir="5400000" algn="ctr" rotWithShape="0">
+              <a:schemeClr val="bg1">
+                <a:lumMod val="50000"/>
+              </a:schemeClr>
+            </a:outerShdw>
+          </a:effectLst>
+          <a:scene3d>
+            <a:camera prst="orthographicFront">
+              <a:rot lat="0" lon="0" rev="0"/>
+            </a:camera>
+            <a:lightRig rig="chilly" dir="t"/>
+          </a:scene3d>
+          <a:sp3d extrusionH="76200" contourW="19050" prstMaterial="metal">
+            <a:bevelT w="25400" h="25400" prst="artDeco"/>
+            <a:extrusionClr>
+              <a:schemeClr val="bg1">
+                <a:lumMod val="85000"/>
+              </a:schemeClr>
+            </a:extrusionClr>
+            <a:contourClr>
+              <a:schemeClr val="bg1">
+                <a:lumMod val="50000"/>
+              </a:schemeClr>
+            </a:contourClr>
+          </a:sp3d>
+        </p:spPr>
+        <p:style>
+          <a:lnRef idx="0">
+            <a:schemeClr val="accent2"/>
+          </a:lnRef>
+          <a:fillRef idx="3">
+            <a:schemeClr val="accent2"/>
+          </a:fillRef>
+          <a:effectRef idx="3">
+            <a:schemeClr val="accent2"/>
+          </a:effectRef>
+          <a:fontRef idx="minor">
+            <a:schemeClr val="lt1"/>
+          </a:fontRef>
+        </p:style>
+        <p:txBody>
+          <a:bodyPr rtlCol="0" anchor="ctr"/>
+          <a:lstStyle/>
+          <a:p>
+            <a:pPr algn="ctr"/>
+            <a:endParaRPr lang="de-DE" sz="1400"/>
+          </a:p>
+        </p:txBody>
+      </p:sp>
+      <p:sp>
+        <p:nvSpPr>
+          <p:cNvPr id="196" name="Abgerundetes Rechteck 195"/>
+          <p:cNvSpPr/>
+          <p:nvPr/>
+        </p:nvSpPr>
+        <p:spPr>
+          <a:xfrm>
+            <a:off x="4616573" y="501696"/>
+            <a:ext cx="864096" cy="779342"/>
+          </a:xfrm>
+          <a:prstGeom prst="roundRect">
+            <a:avLst>
+              <a:gd name="adj" fmla="val 25271"/>
+            </a:avLst>
+          </a:prstGeom>
+          <a:gradFill>
+            <a:gsLst>
+              <a:gs pos="0">
                 <a:schemeClr val="bg1">
                   <a:lumMod val="50000"/>
                 </a:schemeClr>
-              </a:contourClr>
-            </a:sp3d>
-          </p:spPr>
-          <p:style>
-            <a:lnRef idx="0">
-              <a:schemeClr val="accent2"/>
-            </a:lnRef>
-            <a:fillRef idx="3">
-              <a:schemeClr val="accent2"/>
-            </a:fillRef>
-            <a:effectRef idx="3">
-              <a:schemeClr val="accent2"/>
-            </a:effectRef>
-            <a:fontRef idx="minor">
-              <a:schemeClr val="lt1"/>
-            </a:fontRef>
-          </p:style>
-          <p:txBody>
-            <a:bodyPr rtlCol="0" anchor="ctr"/>
-            <a:lstStyle/>
-            <a:p>
-              <a:pPr algn="ctr"/>
-              <a:endParaRPr lang="de-DE" sz="1400"/>
-            </a:p>
-          </p:txBody>
-        </p:sp>
-        <p:sp>
-          <p:nvSpPr>
-            <p:cNvPr id="196" name="Abgerundetes Rechteck 195"/>
-            <p:cNvSpPr/>
-            <p:nvPr/>
-          </p:nvSpPr>
-          <p:spPr>
-            <a:xfrm>
-              <a:off x="4644008" y="2708722"/>
-              <a:ext cx="864096" cy="779342"/>
-            </a:xfrm>
-            <a:prstGeom prst="roundRect">
-              <a:avLst>
-                <a:gd name="adj" fmla="val 25271"/>
-              </a:avLst>
-            </a:prstGeom>
-            <a:gradFill>
-              <a:gsLst>
-                <a:gs pos="0">
-                  <a:schemeClr val="bg1">
-                    <a:lumMod val="50000"/>
-                  </a:schemeClr>
-                </a:gs>
-                <a:gs pos="80000">
-                  <a:schemeClr val="bg1">
-                    <a:lumMod val="65000"/>
-                  </a:schemeClr>
-                </a:gs>
-                <a:gs pos="100000">
-                  <a:schemeClr val="bg1">
-                    <a:lumMod val="95000"/>
-                  </a:schemeClr>
-                </a:gs>
-              </a:gsLst>
-            </a:gradFill>
-            <a:ln>
-              <a:noFill/>
-            </a:ln>
-            <a:effectLst>
-              <a:outerShdw blurRad="50800" dist="50800" dir="5400000" algn="ctr" rotWithShape="0">
+              </a:gs>
+              <a:gs pos="80000">
+                <a:schemeClr val="bg1">
+                  <a:lumMod val="65000"/>
+                </a:schemeClr>
+              </a:gs>
+              <a:gs pos="100000">
+                <a:schemeClr val="bg1">
+                  <a:lumMod val="95000"/>
+                </a:schemeClr>
+              </a:gs>
+            </a:gsLst>
+          </a:gradFill>
+          <a:ln>
+            <a:noFill/>
+          </a:ln>
+          <a:effectLst>
+            <a:outerShdw blurRad="50800" dist="50800" dir="5400000" algn="ctr" rotWithShape="0">
+              <a:schemeClr val="bg1">
+                <a:lumMod val="50000"/>
+              </a:schemeClr>
+            </a:outerShdw>
+          </a:effectLst>
+          <a:scene3d>
+            <a:camera prst="orthographicFront">
+              <a:rot lat="0" lon="0" rev="0"/>
+            </a:camera>
+            <a:lightRig rig="chilly" dir="t"/>
+          </a:scene3d>
+          <a:sp3d extrusionH="76200" contourW="19050" prstMaterial="metal">
+            <a:bevelT w="25400" h="25400" prst="artDeco"/>
+            <a:extrusionClr>
+              <a:schemeClr val="bg1">
+                <a:lumMod val="85000"/>
+              </a:schemeClr>
+            </a:extrusionClr>
+            <a:contourClr>
+              <a:schemeClr val="bg1">
+                <a:lumMod val="50000"/>
+              </a:schemeClr>
+            </a:contourClr>
+          </a:sp3d>
+        </p:spPr>
+        <p:style>
+          <a:lnRef idx="0">
+            <a:schemeClr val="accent2"/>
+          </a:lnRef>
+          <a:fillRef idx="3">
+            <a:schemeClr val="accent2"/>
+          </a:fillRef>
+          <a:effectRef idx="3">
+            <a:schemeClr val="accent2"/>
+          </a:effectRef>
+          <a:fontRef idx="minor">
+            <a:schemeClr val="lt1"/>
+          </a:fontRef>
+        </p:style>
+        <p:txBody>
+          <a:bodyPr rtlCol="0" anchor="ctr"/>
+          <a:lstStyle/>
+          <a:p>
+            <a:pPr algn="ctr"/>
+            <a:endParaRPr lang="de-DE" sz="1400" dirty="0"/>
+          </a:p>
+        </p:txBody>
+      </p:sp>
+      <p:sp>
+        <p:nvSpPr>
+          <p:cNvPr id="195" name="Abgerundetes Rechteck 194"/>
+          <p:cNvSpPr/>
+          <p:nvPr/>
+        </p:nvSpPr>
+        <p:spPr>
+          <a:xfrm>
+            <a:off x="4616573" y="1349931"/>
+            <a:ext cx="864096" cy="779342"/>
+          </a:xfrm>
+          <a:prstGeom prst="roundRect">
+            <a:avLst>
+              <a:gd name="adj" fmla="val 25271"/>
+            </a:avLst>
+          </a:prstGeom>
+          <a:gradFill>
+            <a:gsLst>
+              <a:gs pos="0">
                 <a:schemeClr val="bg1">
                   <a:lumMod val="50000"/>
                 </a:schemeClr>
-              </a:outerShdw>
-            </a:effectLst>
-            <a:scene3d>
-              <a:camera prst="orthographicFront">
-                <a:rot lat="0" lon="0" rev="0"/>
-              </a:camera>
-              <a:lightRig rig="chilly" dir="t"/>
-            </a:scene3d>
-            <a:sp3d extrusionH="76200" contourW="19050" prstMaterial="metal">
-              <a:bevelT w="25400" h="25400" prst="artDeco"/>
-              <a:extrusionClr>
+              </a:gs>
+              <a:gs pos="80000">
                 <a:schemeClr val="bg1">
-                  <a:lumMod val="85000"/>
-                </a:schemeClr>
-              </a:extrusionClr>
-              <a:contourClr>
+                  <a:lumMod val="65000"/>
+                </a:schemeClr>
+              </a:gs>
+              <a:gs pos="100000">
+                <a:schemeClr val="bg1">
+                  <a:lumMod val="95000"/>
+                </a:schemeClr>
+              </a:gs>
+            </a:gsLst>
+          </a:gradFill>
+          <a:ln>
+            <a:noFill/>
+          </a:ln>
+          <a:effectLst>
+            <a:outerShdw blurRad="50800" dist="50800" dir="5400000" algn="ctr" rotWithShape="0">
+              <a:schemeClr val="bg1">
+                <a:lumMod val="50000"/>
+              </a:schemeClr>
+            </a:outerShdw>
+          </a:effectLst>
+          <a:scene3d>
+            <a:camera prst="orthographicFront">
+              <a:rot lat="0" lon="0" rev="0"/>
+            </a:camera>
+            <a:lightRig rig="chilly" dir="t"/>
+          </a:scene3d>
+          <a:sp3d extrusionH="76200" contourW="19050" prstMaterial="metal">
+            <a:bevelT w="25400" h="25400" prst="artDeco"/>
+            <a:extrusionClr>
+              <a:schemeClr val="bg1">
+                <a:lumMod val="85000"/>
+              </a:schemeClr>
+            </a:extrusionClr>
+            <a:contourClr>
+              <a:schemeClr val="bg1">
+                <a:lumMod val="50000"/>
+              </a:schemeClr>
+            </a:contourClr>
+          </a:sp3d>
+        </p:spPr>
+        <p:style>
+          <a:lnRef idx="0">
+            <a:schemeClr val="accent2"/>
+          </a:lnRef>
+          <a:fillRef idx="3">
+            <a:schemeClr val="accent2"/>
+          </a:fillRef>
+          <a:effectRef idx="3">
+            <a:schemeClr val="accent2"/>
+          </a:effectRef>
+          <a:fontRef idx="minor">
+            <a:schemeClr val="lt1"/>
+          </a:fontRef>
+        </p:style>
+        <p:txBody>
+          <a:bodyPr rtlCol="0" anchor="ctr"/>
+          <a:lstStyle/>
+          <a:p>
+            <a:pPr algn="ctr"/>
+            <a:endParaRPr lang="de-DE" sz="1400"/>
+          </a:p>
+        </p:txBody>
+      </p:sp>
+      <p:sp>
+        <p:nvSpPr>
+          <p:cNvPr id="201" name="Abgerundetes Rechteck 200"/>
+          <p:cNvSpPr/>
+          <p:nvPr/>
+        </p:nvSpPr>
+        <p:spPr>
+          <a:xfrm>
+            <a:off x="3604357" y="501696"/>
+            <a:ext cx="864096" cy="779342"/>
+          </a:xfrm>
+          <a:prstGeom prst="roundRect">
+            <a:avLst>
+              <a:gd name="adj" fmla="val 25271"/>
+            </a:avLst>
+          </a:prstGeom>
+          <a:gradFill>
+            <a:gsLst>
+              <a:gs pos="0">
                 <a:schemeClr val="bg1">
                   <a:lumMod val="50000"/>
                 </a:schemeClr>
-              </a:contourClr>
-            </a:sp3d>
-          </p:spPr>
-          <p:style>
-            <a:lnRef idx="0">
-              <a:schemeClr val="accent2"/>
-            </a:lnRef>
-            <a:fillRef idx="3">
-              <a:schemeClr val="accent2"/>
-            </a:fillRef>
-            <a:effectRef idx="3">
-              <a:schemeClr val="accent2"/>
-            </a:effectRef>
-            <a:fontRef idx="minor">
-              <a:schemeClr val="lt1"/>
-            </a:fontRef>
-          </p:style>
-          <p:txBody>
-            <a:bodyPr rtlCol="0" anchor="ctr"/>
-            <a:lstStyle/>
-            <a:p>
-              <a:pPr algn="ctr"/>
-              <a:endParaRPr lang="de-DE" sz="1400" dirty="0"/>
-            </a:p>
-          </p:txBody>
-        </p:sp>
-        <p:sp>
-          <p:nvSpPr>
-            <p:cNvPr id="195" name="Abgerundetes Rechteck 194"/>
-            <p:cNvSpPr/>
-            <p:nvPr/>
-          </p:nvSpPr>
-          <p:spPr>
-            <a:xfrm>
-              <a:off x="4644008" y="3556957"/>
-              <a:ext cx="864096" cy="779342"/>
-            </a:xfrm>
-            <a:prstGeom prst="roundRect">
-              <a:avLst>
-                <a:gd name="adj" fmla="val 25271"/>
-              </a:avLst>
-            </a:prstGeom>
-            <a:gradFill>
-              <a:gsLst>
-                <a:gs pos="0">
-                  <a:schemeClr val="bg1">
-                    <a:lumMod val="50000"/>
-                  </a:schemeClr>
-                </a:gs>
-                <a:gs pos="80000">
-                  <a:schemeClr val="bg1">
-                    <a:lumMod val="65000"/>
-                  </a:schemeClr>
-                </a:gs>
-                <a:gs pos="100000">
-                  <a:schemeClr val="bg1">
-                    <a:lumMod val="95000"/>
-                  </a:schemeClr>
-                </a:gs>
-              </a:gsLst>
-            </a:gradFill>
-            <a:ln>
-              <a:noFill/>
-            </a:ln>
-            <a:effectLst>
-              <a:outerShdw blurRad="50800" dist="50800" dir="5400000" algn="ctr" rotWithShape="0">
+              </a:gs>
+              <a:gs pos="80000">
                 <a:schemeClr val="bg1">
-                  <a:lumMod val="50000"/>
-                </a:schemeClr>
-              </a:outerShdw>
-            </a:effectLst>
-            <a:scene3d>
-              <a:camera prst="orthographicFront">
-                <a:rot lat="0" lon="0" rev="0"/>
-              </a:camera>
-              <a:lightRig rig="chilly" dir="t"/>
-            </a:scene3d>
-            <a:sp3d extrusionH="76200" contourW="19050" prstMaterial="metal">
-              <a:bevelT w="25400" h="25400" prst="artDeco"/>
-              <a:extrusionClr>
+                  <a:lumMod val="65000"/>
+                </a:schemeClr>
+              </a:gs>
+              <a:gs pos="100000">
                 <a:schemeClr val="bg1">
-                  <a:lumMod val="85000"/>
-                </a:schemeClr>
-              </a:extrusionClr>
-              <a:contourClr>
-                <a:schemeClr val="bg1">
-                  <a:lumMod val="50000"/>
-                </a:schemeClr>
-              </a:contourClr>
-            </a:sp3d>
-          </p:spPr>
-          <p:style>
-            <a:lnRef idx="0">
-              <a:schemeClr val="accent2"/>
-            </a:lnRef>
-            <a:fillRef idx="3">
-              <a:schemeClr val="accent2"/>
-            </a:fillRef>
-            <a:effectRef idx="3">
-              <a:schemeClr val="accent2"/>
-            </a:effectRef>
-            <a:fontRef idx="minor">
-              <a:schemeClr val="lt1"/>
-            </a:fontRef>
-          </p:style>
-          <p:txBody>
-            <a:bodyPr rtlCol="0" anchor="ctr"/>
-            <a:lstStyle/>
-            <a:p>
-              <a:pPr algn="ctr"/>
-              <a:endParaRPr lang="de-DE" sz="1400"/>
-            </a:p>
-          </p:txBody>
-        </p:sp>
-        <p:sp>
-          <p:nvSpPr>
-            <p:cNvPr id="201" name="Abgerundetes Rechteck 200"/>
-            <p:cNvSpPr/>
-            <p:nvPr/>
-          </p:nvSpPr>
-          <p:spPr>
-            <a:xfrm>
-              <a:off x="3631792" y="2708722"/>
-              <a:ext cx="864096" cy="779342"/>
-            </a:xfrm>
-            <a:prstGeom prst="roundRect">
-              <a:avLst>
-                <a:gd name="adj" fmla="val 25271"/>
-              </a:avLst>
-            </a:prstGeom>
-            <a:gradFill>
-              <a:gsLst>
-                <a:gs pos="0">
-                  <a:schemeClr val="bg1">
-                    <a:lumMod val="50000"/>
-                  </a:schemeClr>
-                </a:gs>
-                <a:gs pos="80000">
-                  <a:schemeClr val="bg1">
-                    <a:lumMod val="65000"/>
-                  </a:schemeClr>
-                </a:gs>
-                <a:gs pos="100000">
-                  <a:schemeClr val="bg1">
-                    <a:lumMod val="95000"/>
-                  </a:schemeClr>
-                </a:gs>
-              </a:gsLst>
-            </a:gradFill>
-            <a:ln>
-              <a:noFill/>
-            </a:ln>
-            <a:effectLst>
-              <a:outerShdw blurRad="50800" dist="50800" dir="5400000" algn="ctr" rotWithShape="0">
-                <a:schemeClr val="bg1">
-                  <a:lumMod val="50000"/>
-                </a:schemeClr>
-              </a:outerShdw>
-            </a:effectLst>
-            <a:scene3d>
-              <a:camera prst="orthographicFront">
-                <a:rot lat="0" lon="0" rev="0"/>
-              </a:camera>
-              <a:lightRig rig="chilly" dir="t"/>
-            </a:scene3d>
-            <a:sp3d extrusionH="76200" contourW="19050" prstMaterial="metal">
-              <a:bevelT w="25400" h="25400" prst="artDeco"/>
-              <a:extrusionClr>
-                <a:schemeClr val="bg1">
-                  <a:lumMod val="85000"/>
-                </a:schemeClr>
-              </a:extrusionClr>
-              <a:contourClr>
-                <a:schemeClr val="bg1">
-                  <a:lumMod val="50000"/>
-                </a:schemeClr>
-              </a:contourClr>
-            </a:sp3d>
-          </p:spPr>
-          <p:style>
-            <a:lnRef idx="0">
-              <a:schemeClr val="accent2"/>
-            </a:lnRef>
-            <a:fillRef idx="3">
-              <a:schemeClr val="accent2"/>
-            </a:fillRef>
-            <a:effectRef idx="3">
-              <a:schemeClr val="accent2"/>
-            </a:effectRef>
-            <a:fontRef idx="minor">
-              <a:schemeClr val="lt1"/>
-            </a:fontRef>
-          </p:style>
-          <p:txBody>
-            <a:bodyPr rtlCol="0" anchor="ctr"/>
-            <a:lstStyle/>
-            <a:p>
-              <a:pPr algn="ctr"/>
-              <a:endParaRPr lang="de-DE" sz="1400" dirty="0"/>
-            </a:p>
-          </p:txBody>
-        </p:sp>
-      </p:grpSp>
+                  <a:lumMod val="95000"/>
+                </a:schemeClr>
+              </a:gs>
+            </a:gsLst>
+          </a:gradFill>
+          <a:ln>
+            <a:noFill/>
+          </a:ln>
+          <a:effectLst>
+            <a:outerShdw blurRad="50800" dist="50800" dir="5400000" algn="ctr" rotWithShape="0">
+              <a:schemeClr val="bg1">
+                <a:lumMod val="50000"/>
+              </a:schemeClr>
+            </a:outerShdw>
+          </a:effectLst>
+          <a:scene3d>
+            <a:camera prst="orthographicFront">
+              <a:rot lat="0" lon="0" rev="0"/>
+            </a:camera>
+            <a:lightRig rig="chilly" dir="t"/>
+          </a:scene3d>
+          <a:sp3d extrusionH="76200" contourW="19050" prstMaterial="metal">
+            <a:bevelT w="25400" h="25400" prst="artDeco"/>
+            <a:extrusionClr>
+              <a:schemeClr val="bg1">
+                <a:lumMod val="85000"/>
+              </a:schemeClr>
+            </a:extrusionClr>
+            <a:contourClr>
+              <a:schemeClr val="bg1">
+                <a:lumMod val="50000"/>
+              </a:schemeClr>
+            </a:contourClr>
+          </a:sp3d>
+        </p:spPr>
+        <p:style>
+          <a:lnRef idx="0">
+            <a:schemeClr val="accent2"/>
+          </a:lnRef>
+          <a:fillRef idx="3">
+            <a:schemeClr val="accent2"/>
+          </a:fillRef>
+          <a:effectRef idx="3">
+            <a:schemeClr val="accent2"/>
+          </a:effectRef>
+          <a:fontRef idx="minor">
+            <a:schemeClr val="lt1"/>
+          </a:fontRef>
+        </p:style>
+        <p:txBody>
+          <a:bodyPr rtlCol="0" anchor="ctr"/>
+          <a:lstStyle/>
+          <a:p>
+            <a:pPr algn="ctr"/>
+            <a:endParaRPr lang="de-DE" sz="1400" dirty="0"/>
+          </a:p>
+        </p:txBody>
+      </p:sp>
       <p:sp>
         <p:nvSpPr>
           <p:cNvPr id="17" name="Textfeld 16"/>
@@ -8173,47 +8158,6 @@
           </a:extLst>
         </p:spPr>
       </p:pic>
-      <p:pic>
-        <p:nvPicPr>
-          <p:cNvPr id="1027" name="Picture 3" descr="C:\temp\Pi-Ager-tronje\Pi-Ager-tronje\nextion\sites\site_main.png"/>
-          <p:cNvPicPr>
-            <a:picLocks noChangeAspect="1" noChangeArrowheads="1"/>
-          </p:cNvPicPr>
-          <p:nvPr/>
-        </p:nvPicPr>
-        <p:blipFill>
-          <a:blip r:embed="rId29">
-            <a:extLst>
-              <a:ext uri="{28A0092B-C50C-407E-A947-70E740481C1C}">
-                <a14:useLocalDpi xmlns:a14="http://schemas.microsoft.com/office/drawing/2010/main" val="0"/>
-              </a:ext>
-            </a:extLst>
-          </a:blip>
-          <a:srcRect/>
-          <a:stretch>
-            <a:fillRect/>
-          </a:stretch>
-        </p:blipFill>
-        <p:spPr bwMode="auto">
-          <a:xfrm>
-            <a:off x="-2628800" y="232757"/>
-            <a:ext cx="2073275" cy="1555750"/>
-          </a:xfrm>
-          <a:prstGeom prst="rect">
-            <a:avLst/>
-          </a:prstGeom>
-          <a:noFill/>
-          <a:extLst>
-            <a:ext uri="{909E8E84-426E-40DD-AFC4-6F175D3DCCD1}">
-              <a14:hiddenFill xmlns:a14="http://schemas.microsoft.com/office/drawing/2010/main">
-                <a:solidFill>
-                  <a:srgbClr val="FFFFFF"/>
-                </a:solidFill>
-              </a14:hiddenFill>
-            </a:ext>
-          </a:extLst>
-        </p:spPr>
-      </p:pic>
       <p:sp>
         <p:nvSpPr>
           <p:cNvPr id="86" name="Abgerundetes Rechteck 85"/>
@@ -8224,8 +8168,8 @@
         </p:nvSpPr>
         <p:spPr>
           <a:xfrm>
-            <a:off x="4804754" y="4759582"/>
-            <a:ext cx="504000" cy="288000"/>
+            <a:off x="2070022" y="3219833"/>
+            <a:ext cx="562206" cy="1152000"/>
           </a:xfrm>
           <a:prstGeom prst="roundRect">
             <a:avLst>
@@ -8406,6 +8350,773 @@
               </a:solidFill>
               <a:latin typeface="Rockwell" panose="02060603020205020403" pitchFamily="18" charset="0"/>
             </a:endParaRPr>
+          </a:p>
+        </p:txBody>
+      </p:sp>
+      <p:pic>
+        <p:nvPicPr>
+          <p:cNvPr id="3" name="Picture 3" descr="C:\temp\Pi-Ager-tronje\Pi-Ager-tronje\nextion\sites\site_number_keys.png"/>
+          <p:cNvPicPr>
+            <a:picLocks noChangeAspect="1" noChangeArrowheads="1"/>
+          </p:cNvPicPr>
+          <p:nvPr/>
+        </p:nvPicPr>
+        <p:blipFill>
+          <a:blip r:embed="rId29">
+            <a:extLst>
+              <a:ext uri="{28A0092B-C50C-407E-A947-70E740481C1C}">
+                <a14:useLocalDpi xmlns:a14="http://schemas.microsoft.com/office/drawing/2010/main" val="0"/>
+              </a:ext>
+            </a:extLst>
+          </a:blip>
+          <a:srcRect/>
+          <a:stretch>
+            <a:fillRect/>
+          </a:stretch>
+        </p:blipFill>
+        <p:spPr bwMode="auto">
+          <a:xfrm>
+            <a:off x="6009986" y="199556"/>
+            <a:ext cx="2923711" cy="2193902"/>
+          </a:xfrm>
+          <a:prstGeom prst="rect">
+            <a:avLst/>
+          </a:prstGeom>
+          <a:noFill/>
+          <a:extLst>
+            <a:ext uri="{909E8E84-426E-40DD-AFC4-6F175D3DCCD1}">
+              <a14:hiddenFill xmlns:a14="http://schemas.microsoft.com/office/drawing/2010/main">
+                <a:solidFill>
+                  <a:srgbClr val="FFFFFF"/>
+                </a:solidFill>
+              </a14:hiddenFill>
+            </a:ext>
+          </a:extLst>
+        </p:spPr>
+      </p:pic>
+      <p:sp>
+        <p:nvSpPr>
+          <p:cNvPr id="88" name="Abgerundetes Rechteck 87"/>
+          <p:cNvSpPr>
+            <a:spLocks/>
+          </p:cNvSpPr>
+          <p:nvPr/>
+        </p:nvSpPr>
+        <p:spPr>
+          <a:xfrm>
+            <a:off x="895264" y="4114472"/>
+            <a:ext cx="504000" cy="288000"/>
+          </a:xfrm>
+          <a:prstGeom prst="roundRect">
+            <a:avLst>
+              <a:gd name="adj" fmla="val 25271"/>
+            </a:avLst>
+          </a:prstGeom>
+          <a:gradFill>
+            <a:gsLst>
+              <a:gs pos="0">
+                <a:schemeClr val="bg1">
+                  <a:lumMod val="50000"/>
+                </a:schemeClr>
+              </a:gs>
+              <a:gs pos="80000">
+                <a:schemeClr val="bg1">
+                  <a:lumMod val="65000"/>
+                </a:schemeClr>
+              </a:gs>
+              <a:gs pos="100000">
+                <a:schemeClr val="bg1">
+                  <a:lumMod val="95000"/>
+                </a:schemeClr>
+              </a:gs>
+            </a:gsLst>
+          </a:gradFill>
+          <a:ln>
+            <a:noFill/>
+          </a:ln>
+          <a:effectLst>
+            <a:outerShdw blurRad="50800" dist="50800" dir="5400000" algn="ctr" rotWithShape="0">
+              <a:schemeClr val="bg1">
+                <a:lumMod val="50000"/>
+              </a:schemeClr>
+            </a:outerShdw>
+          </a:effectLst>
+          <a:scene3d>
+            <a:camera prst="orthographicFront">
+              <a:rot lat="0" lon="0" rev="0"/>
+            </a:camera>
+            <a:lightRig rig="chilly" dir="t"/>
+          </a:scene3d>
+          <a:sp3d extrusionH="76200" contourW="19050" prstMaterial="metal">
+            <a:bevelT w="25400" h="25400" prst="artDeco"/>
+            <a:extrusionClr>
+              <a:schemeClr val="bg1">
+                <a:lumMod val="85000"/>
+              </a:schemeClr>
+            </a:extrusionClr>
+            <a:contourClr>
+              <a:schemeClr val="bg1">
+                <a:lumMod val="50000"/>
+              </a:schemeClr>
+            </a:contourClr>
+          </a:sp3d>
+        </p:spPr>
+        <p:style>
+          <a:lnRef idx="0">
+            <a:schemeClr val="accent2"/>
+          </a:lnRef>
+          <a:fillRef idx="3">
+            <a:schemeClr val="accent2"/>
+          </a:fillRef>
+          <a:effectRef idx="3">
+            <a:schemeClr val="accent2"/>
+          </a:effectRef>
+          <a:fontRef idx="minor">
+            <a:schemeClr val="lt1"/>
+          </a:fontRef>
+        </p:style>
+        <p:txBody>
+          <a:bodyPr rtlCol="0" anchor="ctr"/>
+          <a:lstStyle/>
+          <a:p>
+            <a:pPr algn="ctr"/>
+            <a:endParaRPr lang="de-DE" sz="1400"/>
+          </a:p>
+        </p:txBody>
+      </p:sp>
+      <p:sp>
+        <p:nvSpPr>
+          <p:cNvPr id="89" name="Abgerundetes Rechteck 88"/>
+          <p:cNvSpPr>
+            <a:spLocks/>
+          </p:cNvSpPr>
+          <p:nvPr/>
+        </p:nvSpPr>
+        <p:spPr>
+          <a:xfrm>
+            <a:off x="322229" y="4083833"/>
+            <a:ext cx="504000" cy="288000"/>
+          </a:xfrm>
+          <a:prstGeom prst="roundRect">
+            <a:avLst>
+              <a:gd name="adj" fmla="val 25271"/>
+            </a:avLst>
+          </a:prstGeom>
+          <a:gradFill>
+            <a:gsLst>
+              <a:gs pos="0">
+                <a:schemeClr val="bg1">
+                  <a:lumMod val="50000"/>
+                </a:schemeClr>
+              </a:gs>
+              <a:gs pos="80000">
+                <a:schemeClr val="bg1">
+                  <a:lumMod val="65000"/>
+                </a:schemeClr>
+              </a:gs>
+              <a:gs pos="100000">
+                <a:schemeClr val="bg1">
+                  <a:lumMod val="95000"/>
+                </a:schemeClr>
+              </a:gs>
+            </a:gsLst>
+          </a:gradFill>
+          <a:ln>
+            <a:noFill/>
+          </a:ln>
+          <a:effectLst>
+            <a:outerShdw blurRad="50800" dist="50800" dir="5400000" algn="ctr" rotWithShape="0">
+              <a:schemeClr val="bg1">
+                <a:lumMod val="50000"/>
+              </a:schemeClr>
+            </a:outerShdw>
+          </a:effectLst>
+          <a:scene3d>
+            <a:camera prst="orthographicFront">
+              <a:rot lat="0" lon="0" rev="0"/>
+            </a:camera>
+            <a:lightRig rig="chilly" dir="t"/>
+          </a:scene3d>
+          <a:sp3d extrusionH="76200" contourW="19050" prstMaterial="metal">
+            <a:bevelT w="25400" h="25400" prst="artDeco"/>
+            <a:extrusionClr>
+              <a:schemeClr val="bg1">
+                <a:lumMod val="85000"/>
+              </a:schemeClr>
+            </a:extrusionClr>
+            <a:contourClr>
+              <a:schemeClr val="bg1">
+                <a:lumMod val="50000"/>
+              </a:schemeClr>
+            </a:contourClr>
+          </a:sp3d>
+        </p:spPr>
+        <p:style>
+          <a:lnRef idx="0">
+            <a:schemeClr val="accent2"/>
+          </a:lnRef>
+          <a:fillRef idx="3">
+            <a:schemeClr val="accent2"/>
+          </a:fillRef>
+          <a:effectRef idx="3">
+            <a:schemeClr val="accent2"/>
+          </a:effectRef>
+          <a:fontRef idx="minor">
+            <a:schemeClr val="lt1"/>
+          </a:fontRef>
+        </p:style>
+        <p:txBody>
+          <a:bodyPr rtlCol="0" anchor="ctr"/>
+          <a:lstStyle/>
+          <a:p>
+            <a:pPr algn="ctr"/>
+            <a:endParaRPr lang="de-DE" sz="1400"/>
+          </a:p>
+        </p:txBody>
+      </p:sp>
+      <p:sp>
+        <p:nvSpPr>
+          <p:cNvPr id="90" name="Abgerundetes Rechteck 89"/>
+          <p:cNvSpPr>
+            <a:spLocks/>
+          </p:cNvSpPr>
+          <p:nvPr/>
+        </p:nvSpPr>
+        <p:spPr>
+          <a:xfrm>
+            <a:off x="963131" y="5250924"/>
+            <a:ext cx="1044000" cy="288000"/>
+          </a:xfrm>
+          <a:prstGeom prst="roundRect">
+            <a:avLst>
+              <a:gd name="adj" fmla="val 25271"/>
+            </a:avLst>
+          </a:prstGeom>
+          <a:gradFill>
+            <a:gsLst>
+              <a:gs pos="0">
+                <a:schemeClr val="bg1">
+                  <a:lumMod val="50000"/>
+                </a:schemeClr>
+              </a:gs>
+              <a:gs pos="80000">
+                <a:schemeClr val="bg1">
+                  <a:lumMod val="65000"/>
+                </a:schemeClr>
+              </a:gs>
+              <a:gs pos="100000">
+                <a:schemeClr val="bg1">
+                  <a:lumMod val="95000"/>
+                </a:schemeClr>
+              </a:gs>
+            </a:gsLst>
+          </a:gradFill>
+          <a:ln>
+            <a:noFill/>
+          </a:ln>
+          <a:effectLst>
+            <a:outerShdw blurRad="50800" dist="50800" dir="5400000" algn="ctr" rotWithShape="0">
+              <a:schemeClr val="bg1">
+                <a:lumMod val="50000"/>
+              </a:schemeClr>
+            </a:outerShdw>
+          </a:effectLst>
+          <a:scene3d>
+            <a:camera prst="orthographicFront">
+              <a:rot lat="0" lon="0" rev="0"/>
+            </a:camera>
+            <a:lightRig rig="chilly" dir="t"/>
+          </a:scene3d>
+          <a:sp3d extrusionH="76200" contourW="19050" prstMaterial="metal">
+            <a:bevelT w="25400" h="25400" prst="artDeco"/>
+            <a:extrusionClr>
+              <a:schemeClr val="bg1">
+                <a:lumMod val="85000"/>
+              </a:schemeClr>
+            </a:extrusionClr>
+            <a:contourClr>
+              <a:schemeClr val="bg1">
+                <a:lumMod val="50000"/>
+              </a:schemeClr>
+            </a:contourClr>
+          </a:sp3d>
+        </p:spPr>
+        <p:style>
+          <a:lnRef idx="0">
+            <a:schemeClr val="accent2"/>
+          </a:lnRef>
+          <a:fillRef idx="3">
+            <a:schemeClr val="accent2"/>
+          </a:fillRef>
+          <a:effectRef idx="3">
+            <a:schemeClr val="accent2"/>
+          </a:effectRef>
+          <a:fontRef idx="minor">
+            <a:schemeClr val="lt1"/>
+          </a:fontRef>
+        </p:style>
+        <p:txBody>
+          <a:bodyPr rtlCol="0" anchor="ctr"/>
+          <a:lstStyle/>
+          <a:p>
+            <a:pPr algn="ctr"/>
+            <a:endParaRPr lang="de-DE" sz="1400"/>
+          </a:p>
+        </p:txBody>
+      </p:sp>
+      <p:sp>
+        <p:nvSpPr>
+          <p:cNvPr id="96" name="Abgerundetes Rechteck 95"/>
+          <p:cNvSpPr>
+            <a:spLocks/>
+          </p:cNvSpPr>
+          <p:nvPr/>
+        </p:nvSpPr>
+        <p:spPr>
+          <a:xfrm>
+            <a:off x="2299246" y="5106924"/>
+            <a:ext cx="562206" cy="1152000"/>
+          </a:xfrm>
+          <a:prstGeom prst="roundRect">
+            <a:avLst>
+              <a:gd name="adj" fmla="val 25271"/>
+            </a:avLst>
+          </a:prstGeom>
+          <a:gradFill>
+            <a:gsLst>
+              <a:gs pos="0">
+                <a:schemeClr val="tx1">
+                  <a:lumMod val="75000"/>
+                  <a:lumOff val="25000"/>
+                </a:schemeClr>
+              </a:gs>
+              <a:gs pos="80000">
+                <a:schemeClr val="tx1">
+                  <a:lumMod val="65000"/>
+                  <a:lumOff val="35000"/>
+                </a:schemeClr>
+              </a:gs>
+              <a:gs pos="100000">
+                <a:schemeClr val="bg1">
+                  <a:lumMod val="65000"/>
+                </a:schemeClr>
+              </a:gs>
+            </a:gsLst>
+          </a:gradFill>
+          <a:ln>
+            <a:noFill/>
+          </a:ln>
+          <a:effectLst>
+            <a:outerShdw blurRad="50800" dist="50800" dir="5400000" algn="ctr" rotWithShape="0">
+              <a:schemeClr val="bg1">
+                <a:lumMod val="50000"/>
+              </a:schemeClr>
+            </a:outerShdw>
+          </a:effectLst>
+          <a:scene3d>
+            <a:camera prst="orthographicFront">
+              <a:rot lat="0" lon="0" rev="0"/>
+            </a:camera>
+            <a:lightRig rig="chilly" dir="t"/>
+          </a:scene3d>
+          <a:sp3d extrusionH="76200" contourW="19050" prstMaterial="metal">
+            <a:bevelT w="25400" h="25400" prst="artDeco"/>
+            <a:extrusionClr>
+              <a:schemeClr val="bg1">
+                <a:lumMod val="85000"/>
+              </a:schemeClr>
+            </a:extrusionClr>
+            <a:contourClr>
+              <a:schemeClr val="bg1">
+                <a:lumMod val="50000"/>
+              </a:schemeClr>
+            </a:contourClr>
+          </a:sp3d>
+        </p:spPr>
+        <p:style>
+          <a:lnRef idx="0">
+            <a:schemeClr val="accent2"/>
+          </a:lnRef>
+          <a:fillRef idx="3">
+            <a:schemeClr val="accent2"/>
+          </a:fillRef>
+          <a:effectRef idx="3">
+            <a:schemeClr val="accent2"/>
+          </a:effectRef>
+          <a:fontRef idx="minor">
+            <a:schemeClr val="lt1"/>
+          </a:fontRef>
+        </p:style>
+        <p:txBody>
+          <a:bodyPr rtlCol="0" anchor="ctr"/>
+          <a:lstStyle/>
+          <a:p>
+            <a:pPr algn="ctr"/>
+            <a:endParaRPr lang="de-DE" sz="1400"/>
+          </a:p>
+        </p:txBody>
+      </p:sp>
+      <p:sp>
+        <p:nvSpPr>
+          <p:cNvPr id="97" name="Abgerundetes Rechteck 96"/>
+          <p:cNvSpPr>
+            <a:spLocks/>
+          </p:cNvSpPr>
+          <p:nvPr/>
+        </p:nvSpPr>
+        <p:spPr>
+          <a:xfrm>
+            <a:off x="934582" y="5806440"/>
+            <a:ext cx="1044000" cy="288000"/>
+          </a:xfrm>
+          <a:prstGeom prst="roundRect">
+            <a:avLst>
+              <a:gd name="adj" fmla="val 25271"/>
+            </a:avLst>
+          </a:prstGeom>
+          <a:gradFill>
+            <a:gsLst>
+              <a:gs pos="0">
+                <a:schemeClr val="tx1">
+                  <a:lumMod val="75000"/>
+                  <a:lumOff val="25000"/>
+                </a:schemeClr>
+              </a:gs>
+              <a:gs pos="80000">
+                <a:schemeClr val="tx1">
+                  <a:lumMod val="65000"/>
+                  <a:lumOff val="35000"/>
+                </a:schemeClr>
+              </a:gs>
+              <a:gs pos="100000">
+                <a:schemeClr val="bg1">
+                  <a:lumMod val="65000"/>
+                </a:schemeClr>
+              </a:gs>
+            </a:gsLst>
+          </a:gradFill>
+          <a:ln>
+            <a:noFill/>
+          </a:ln>
+          <a:effectLst>
+            <a:outerShdw blurRad="50800" dist="50800" dir="5400000" algn="ctr" rotWithShape="0">
+              <a:schemeClr val="bg1">
+                <a:lumMod val="50000"/>
+              </a:schemeClr>
+            </a:outerShdw>
+          </a:effectLst>
+          <a:scene3d>
+            <a:camera prst="orthographicFront">
+              <a:rot lat="0" lon="0" rev="0"/>
+            </a:camera>
+            <a:lightRig rig="chilly" dir="t"/>
+          </a:scene3d>
+          <a:sp3d extrusionH="76200" contourW="19050" prstMaterial="metal">
+            <a:bevelT w="25400" h="25400" prst="artDeco"/>
+            <a:extrusionClr>
+              <a:schemeClr val="bg1">
+                <a:lumMod val="85000"/>
+              </a:schemeClr>
+            </a:extrusionClr>
+            <a:contourClr>
+              <a:schemeClr val="bg1">
+                <a:lumMod val="50000"/>
+              </a:schemeClr>
+            </a:contourClr>
+          </a:sp3d>
+        </p:spPr>
+        <p:style>
+          <a:lnRef idx="0">
+            <a:schemeClr val="accent2"/>
+          </a:lnRef>
+          <a:fillRef idx="3">
+            <a:schemeClr val="accent2"/>
+          </a:fillRef>
+          <a:effectRef idx="3">
+            <a:schemeClr val="accent2"/>
+          </a:effectRef>
+          <a:fontRef idx="minor">
+            <a:schemeClr val="lt1"/>
+          </a:fontRef>
+        </p:style>
+        <p:txBody>
+          <a:bodyPr rtlCol="0" anchor="ctr"/>
+          <a:lstStyle/>
+          <a:p>
+            <a:pPr algn="ctr"/>
+            <a:endParaRPr lang="de-DE" sz="1400"/>
+          </a:p>
+        </p:txBody>
+      </p:sp>
+      <p:sp>
+        <p:nvSpPr>
+          <p:cNvPr id="98" name="Abgerundetes Rechteck 97"/>
+          <p:cNvSpPr>
+            <a:spLocks/>
+          </p:cNvSpPr>
+          <p:nvPr/>
+        </p:nvSpPr>
+        <p:spPr>
+          <a:xfrm>
+            <a:off x="261757" y="5518440"/>
+            <a:ext cx="504000" cy="288000"/>
+          </a:xfrm>
+          <a:prstGeom prst="roundRect">
+            <a:avLst>
+              <a:gd name="adj" fmla="val 25271"/>
+            </a:avLst>
+          </a:prstGeom>
+          <a:gradFill>
+            <a:gsLst>
+              <a:gs pos="0">
+                <a:schemeClr val="tx1">
+                  <a:lumMod val="75000"/>
+                  <a:lumOff val="25000"/>
+                </a:schemeClr>
+              </a:gs>
+              <a:gs pos="80000">
+                <a:schemeClr val="tx1">
+                  <a:lumMod val="65000"/>
+                  <a:lumOff val="35000"/>
+                </a:schemeClr>
+              </a:gs>
+              <a:gs pos="100000">
+                <a:schemeClr val="bg1">
+                  <a:lumMod val="65000"/>
+                </a:schemeClr>
+              </a:gs>
+            </a:gsLst>
+          </a:gradFill>
+          <a:ln>
+            <a:noFill/>
+          </a:ln>
+          <a:effectLst>
+            <a:outerShdw blurRad="50800" dist="50800" dir="5400000" algn="ctr" rotWithShape="0">
+              <a:schemeClr val="bg1">
+                <a:lumMod val="50000"/>
+              </a:schemeClr>
+            </a:outerShdw>
+          </a:effectLst>
+          <a:scene3d>
+            <a:camera prst="orthographicFront">
+              <a:rot lat="0" lon="0" rev="0"/>
+            </a:camera>
+            <a:lightRig rig="chilly" dir="t"/>
+          </a:scene3d>
+          <a:sp3d extrusionH="76200" contourW="19050" prstMaterial="metal">
+            <a:bevelT w="25400" h="25400" prst="artDeco"/>
+            <a:extrusionClr>
+              <a:schemeClr val="bg1">
+                <a:lumMod val="85000"/>
+              </a:schemeClr>
+            </a:extrusionClr>
+            <a:contourClr>
+              <a:schemeClr val="bg1">
+                <a:lumMod val="50000"/>
+              </a:schemeClr>
+            </a:contourClr>
+          </a:sp3d>
+        </p:spPr>
+        <p:style>
+          <a:lnRef idx="0">
+            <a:schemeClr val="accent2"/>
+          </a:lnRef>
+          <a:fillRef idx="3">
+            <a:schemeClr val="accent2"/>
+          </a:fillRef>
+          <a:effectRef idx="3">
+            <a:schemeClr val="accent2"/>
+          </a:effectRef>
+          <a:fontRef idx="minor">
+            <a:schemeClr val="lt1"/>
+          </a:fontRef>
+        </p:style>
+        <p:txBody>
+          <a:bodyPr rtlCol="0" anchor="ctr"/>
+          <a:lstStyle/>
+          <a:p>
+            <a:pPr algn="ctr"/>
+            <a:endParaRPr lang="de-DE" sz="1400"/>
+          </a:p>
+        </p:txBody>
+      </p:sp>
+      <p:sp>
+        <p:nvSpPr>
+          <p:cNvPr id="99" name="Abgerundetes Rechteck 98"/>
+          <p:cNvSpPr/>
+          <p:nvPr/>
+        </p:nvSpPr>
+        <p:spPr>
+          <a:xfrm>
+            <a:off x="4279139" y="4621634"/>
+            <a:ext cx="864096" cy="779342"/>
+          </a:xfrm>
+          <a:prstGeom prst="roundRect">
+            <a:avLst>
+              <a:gd name="adj" fmla="val 25271"/>
+            </a:avLst>
+          </a:prstGeom>
+          <a:gradFill>
+            <a:gsLst>
+              <a:gs pos="0">
+                <a:schemeClr val="tx1">
+                  <a:lumMod val="75000"/>
+                  <a:lumOff val="25000"/>
+                </a:schemeClr>
+              </a:gs>
+              <a:gs pos="80000">
+                <a:schemeClr val="tx1">
+                  <a:lumMod val="65000"/>
+                  <a:lumOff val="35000"/>
+                </a:schemeClr>
+              </a:gs>
+              <a:gs pos="100000">
+                <a:schemeClr val="bg1">
+                  <a:lumMod val="65000"/>
+                </a:schemeClr>
+              </a:gs>
+            </a:gsLst>
+          </a:gradFill>
+          <a:ln>
+            <a:noFill/>
+          </a:ln>
+          <a:effectLst>
+            <a:outerShdw blurRad="50800" dist="50800" dir="5400000" algn="ctr" rotWithShape="0">
+              <a:schemeClr val="bg1">
+                <a:lumMod val="50000"/>
+              </a:schemeClr>
+            </a:outerShdw>
+          </a:effectLst>
+          <a:scene3d>
+            <a:camera prst="orthographicFront">
+              <a:rot lat="0" lon="0" rev="0"/>
+            </a:camera>
+            <a:lightRig rig="chilly" dir="t"/>
+          </a:scene3d>
+          <a:sp3d extrusionH="76200" contourW="19050" prstMaterial="metal">
+            <a:bevelT w="25400" h="25400" prst="artDeco"/>
+            <a:extrusionClr>
+              <a:schemeClr val="bg1">
+                <a:lumMod val="85000"/>
+              </a:schemeClr>
+            </a:extrusionClr>
+            <a:contourClr>
+              <a:schemeClr val="bg1">
+                <a:lumMod val="50000"/>
+              </a:schemeClr>
+            </a:contourClr>
+          </a:sp3d>
+        </p:spPr>
+        <p:style>
+          <a:lnRef idx="0">
+            <a:schemeClr val="accent2"/>
+          </a:lnRef>
+          <a:fillRef idx="3">
+            <a:schemeClr val="accent2"/>
+          </a:fillRef>
+          <a:effectRef idx="3">
+            <a:schemeClr val="accent2"/>
+          </a:effectRef>
+          <a:fontRef idx="minor">
+            <a:schemeClr val="lt1"/>
+          </a:fontRef>
+        </p:style>
+        <p:txBody>
+          <a:bodyPr rtlCol="0" anchor="ctr"/>
+          <a:lstStyle/>
+          <a:p>
+            <a:pPr algn="ctr"/>
+            <a:endParaRPr lang="de-DE" sz="1400"/>
+          </a:p>
+        </p:txBody>
+      </p:sp>
+      <p:sp>
+        <p:nvSpPr>
+          <p:cNvPr id="101" name="Abgerundetes Rechteck 100"/>
+          <p:cNvSpPr/>
+          <p:nvPr/>
+        </p:nvSpPr>
+        <p:spPr>
+          <a:xfrm>
+            <a:off x="3980831" y="5992697"/>
+            <a:ext cx="570409" cy="532453"/>
+          </a:xfrm>
+          <a:prstGeom prst="roundRect">
+            <a:avLst>
+              <a:gd name="adj" fmla="val 25271"/>
+            </a:avLst>
+          </a:prstGeom>
+          <a:gradFill>
+            <a:gsLst>
+              <a:gs pos="0">
+                <a:schemeClr val="tx1">
+                  <a:lumMod val="75000"/>
+                  <a:lumOff val="25000"/>
+                </a:schemeClr>
+              </a:gs>
+              <a:gs pos="80000">
+                <a:schemeClr val="tx1">
+                  <a:lumMod val="50000"/>
+                  <a:lumOff val="50000"/>
+                </a:schemeClr>
+              </a:gs>
+              <a:gs pos="100000">
+                <a:schemeClr val="bg1">
+                  <a:lumMod val="65000"/>
+                </a:schemeClr>
+              </a:gs>
+            </a:gsLst>
+          </a:gradFill>
+          <a:ln>
+            <a:noFill/>
+          </a:ln>
+          <a:effectLst>
+            <a:outerShdw blurRad="50800" dist="50800" dir="5400000" algn="ctr" rotWithShape="0">
+              <a:schemeClr val="bg1">
+                <a:lumMod val="65000"/>
+              </a:schemeClr>
+            </a:outerShdw>
+          </a:effectLst>
+          <a:scene3d>
+            <a:camera prst="orthographicFront">
+              <a:rot lat="0" lon="0" rev="0"/>
+            </a:camera>
+            <a:lightRig rig="chilly" dir="t"/>
+          </a:scene3d>
+          <a:sp3d extrusionH="76200" contourW="19050" prstMaterial="metal">
+            <a:bevelT w="25400" h="25400" prst="artDeco"/>
+            <a:extrusionClr>
+              <a:schemeClr val="bg1">
+                <a:lumMod val="85000"/>
+              </a:schemeClr>
+            </a:extrusionClr>
+            <a:contourClr>
+              <a:schemeClr val="bg1">
+                <a:lumMod val="50000"/>
+              </a:schemeClr>
+            </a:contourClr>
+          </a:sp3d>
+        </p:spPr>
+        <p:style>
+          <a:lnRef idx="0">
+            <a:schemeClr val="accent2"/>
+          </a:lnRef>
+          <a:fillRef idx="3">
+            <a:schemeClr val="accent2"/>
+          </a:fillRef>
+          <a:effectRef idx="3">
+            <a:schemeClr val="accent2"/>
+          </a:effectRef>
+          <a:fontRef idx="minor">
+            <a:schemeClr val="lt1"/>
+          </a:fontRef>
+        </p:style>
+        <p:txBody>
+          <a:bodyPr rtlCol="0" anchor="ctr"/>
+          <a:lstStyle/>
+          <a:p>
+            <a:pPr algn="ctr"/>
+            <a:endParaRPr lang="de-DE" sz="1400"/>
           </a:p>
         </p:txBody>
       </p:sp>

--- a/nextion/Pi-Ager_Nextion.pptx
+++ b/nextion/Pi-Ager_Nextion.pptx
@@ -9074,6 +9074,188 @@
             <a:outerShdw blurRad="50800" dist="50800" dir="5400000" algn="ctr" rotWithShape="0">
               <a:schemeClr val="bg1">
                 <a:lumMod val="65000"/>
+              </a:schemeClr>
+            </a:outerShdw>
+          </a:effectLst>
+          <a:scene3d>
+            <a:camera prst="orthographicFront">
+              <a:rot lat="0" lon="0" rev="0"/>
+            </a:camera>
+            <a:lightRig rig="chilly" dir="t"/>
+          </a:scene3d>
+          <a:sp3d extrusionH="76200" contourW="19050" prstMaterial="metal">
+            <a:bevelT w="25400" h="25400" prst="artDeco"/>
+            <a:extrusionClr>
+              <a:schemeClr val="bg1">
+                <a:lumMod val="85000"/>
+              </a:schemeClr>
+            </a:extrusionClr>
+            <a:contourClr>
+              <a:schemeClr val="bg1">
+                <a:lumMod val="50000"/>
+              </a:schemeClr>
+            </a:contourClr>
+          </a:sp3d>
+        </p:spPr>
+        <p:style>
+          <a:lnRef idx="0">
+            <a:schemeClr val="accent2"/>
+          </a:lnRef>
+          <a:fillRef idx="3">
+            <a:schemeClr val="accent2"/>
+          </a:fillRef>
+          <a:effectRef idx="3">
+            <a:schemeClr val="accent2"/>
+          </a:effectRef>
+          <a:fontRef idx="minor">
+            <a:schemeClr val="lt1"/>
+          </a:fontRef>
+        </p:style>
+        <p:txBody>
+          <a:bodyPr rtlCol="0" anchor="ctr"/>
+          <a:lstStyle/>
+          <a:p>
+            <a:pPr algn="ctr"/>
+            <a:endParaRPr lang="de-DE" sz="1400"/>
+          </a:p>
+        </p:txBody>
+      </p:sp>
+      <p:sp>
+        <p:nvSpPr>
+          <p:cNvPr id="93" name="Abgerundetes Rechteck 92"/>
+          <p:cNvSpPr>
+            <a:spLocks/>
+          </p:cNvSpPr>
+          <p:nvPr/>
+        </p:nvSpPr>
+        <p:spPr>
+          <a:xfrm>
+            <a:off x="322228" y="4723305"/>
+            <a:ext cx="2635737" cy="288000"/>
+          </a:xfrm>
+          <a:prstGeom prst="roundRect">
+            <a:avLst>
+              <a:gd name="adj" fmla="val 25271"/>
+            </a:avLst>
+          </a:prstGeom>
+          <a:gradFill>
+            <a:gsLst>
+              <a:gs pos="0">
+                <a:schemeClr val="bg1">
+                  <a:lumMod val="50000"/>
+                </a:schemeClr>
+              </a:gs>
+              <a:gs pos="80000">
+                <a:schemeClr val="bg1">
+                  <a:lumMod val="65000"/>
+                </a:schemeClr>
+              </a:gs>
+              <a:gs pos="100000">
+                <a:schemeClr val="bg1">
+                  <a:lumMod val="95000"/>
+                </a:schemeClr>
+              </a:gs>
+            </a:gsLst>
+          </a:gradFill>
+          <a:ln>
+            <a:noFill/>
+          </a:ln>
+          <a:effectLst>
+            <a:outerShdw blurRad="50800" dist="50800" dir="5400000" algn="ctr" rotWithShape="0">
+              <a:schemeClr val="bg1">
+                <a:lumMod val="50000"/>
+              </a:schemeClr>
+            </a:outerShdw>
+          </a:effectLst>
+          <a:scene3d>
+            <a:camera prst="orthographicFront">
+              <a:rot lat="0" lon="0" rev="0"/>
+            </a:camera>
+            <a:lightRig rig="chilly" dir="t"/>
+          </a:scene3d>
+          <a:sp3d extrusionH="76200" contourW="19050" prstMaterial="metal">
+            <a:bevelT w="25400" h="25400" prst="artDeco"/>
+            <a:extrusionClr>
+              <a:schemeClr val="bg1">
+                <a:lumMod val="85000"/>
+              </a:schemeClr>
+            </a:extrusionClr>
+            <a:contourClr>
+              <a:schemeClr val="bg1">
+                <a:lumMod val="50000"/>
+              </a:schemeClr>
+            </a:contourClr>
+          </a:sp3d>
+        </p:spPr>
+        <p:style>
+          <a:lnRef idx="0">
+            <a:schemeClr val="accent2"/>
+          </a:lnRef>
+          <a:fillRef idx="3">
+            <a:schemeClr val="accent2"/>
+          </a:fillRef>
+          <a:effectRef idx="3">
+            <a:schemeClr val="accent2"/>
+          </a:effectRef>
+          <a:fontRef idx="minor">
+            <a:schemeClr val="lt1"/>
+          </a:fontRef>
+        </p:style>
+        <p:txBody>
+          <a:bodyPr rtlCol="0" anchor="ctr"/>
+          <a:lstStyle/>
+          <a:p>
+            <a:pPr algn="ctr"/>
+            <a:endParaRPr lang="de-DE" sz="1400"/>
+          </a:p>
+        </p:txBody>
+      </p:sp>
+      <p:sp>
+        <p:nvSpPr>
+          <p:cNvPr id="95" name="Abgerundetes Rechteck 94"/>
+          <p:cNvSpPr>
+            <a:spLocks/>
+          </p:cNvSpPr>
+          <p:nvPr/>
+        </p:nvSpPr>
+        <p:spPr>
+          <a:xfrm>
+            <a:off x="322227" y="6381150"/>
+            <a:ext cx="2635737" cy="288000"/>
+          </a:xfrm>
+          <a:prstGeom prst="roundRect">
+            <a:avLst>
+              <a:gd name="adj" fmla="val 25271"/>
+            </a:avLst>
+          </a:prstGeom>
+          <a:gradFill>
+            <a:gsLst>
+              <a:gs pos="0">
+                <a:schemeClr val="tx1">
+                  <a:lumMod val="75000"/>
+                  <a:lumOff val="25000"/>
+                </a:schemeClr>
+              </a:gs>
+              <a:gs pos="80000">
+                <a:schemeClr val="tx1">
+                  <a:lumMod val="65000"/>
+                  <a:lumOff val="35000"/>
+                </a:schemeClr>
+              </a:gs>
+              <a:gs pos="100000">
+                <a:schemeClr val="bg1">
+                  <a:lumMod val="65000"/>
+                </a:schemeClr>
+              </a:gs>
+            </a:gsLst>
+          </a:gradFill>
+          <a:ln>
+            <a:noFill/>
+          </a:ln>
+          <a:effectLst>
+            <a:outerShdw blurRad="50800" dist="50800" dir="5400000" algn="ctr" rotWithShape="0">
+              <a:schemeClr val="bg1">
+                <a:lumMod val="50000"/>
               </a:schemeClr>
             </a:outerShdw>
           </a:effectLst>
